--- a/Group 6.pptx
+++ b/Group 6.pptx
@@ -5,7 +5,7 @@
     <p:sldMasterId id="2147483648" r:id="rId1"/>
   </p:sldMasterIdLst>
   <p:notesMasterIdLst>
-    <p:notesMasterId r:id="rId26"/>
+    <p:notesMasterId r:id="rId9"/>
   </p:notesMasterIdLst>
   <p:sldIdLst>
     <p:sldId id="256" r:id="rId2"/>
@@ -14,24 +14,7 @@
     <p:sldId id="259" r:id="rId5"/>
     <p:sldId id="258" r:id="rId6"/>
     <p:sldId id="262" r:id="rId7"/>
-    <p:sldId id="263" r:id="rId8"/>
-    <p:sldId id="264" r:id="rId9"/>
-    <p:sldId id="265" r:id="rId10"/>
-    <p:sldId id="266" r:id="rId11"/>
-    <p:sldId id="267" r:id="rId12"/>
-    <p:sldId id="268" r:id="rId13"/>
-    <p:sldId id="269" r:id="rId14"/>
-    <p:sldId id="270" r:id="rId15"/>
-    <p:sldId id="271" r:id="rId16"/>
-    <p:sldId id="272" r:id="rId17"/>
-    <p:sldId id="273" r:id="rId18"/>
-    <p:sldId id="274" r:id="rId19"/>
-    <p:sldId id="275" r:id="rId20"/>
-    <p:sldId id="276" r:id="rId21"/>
-    <p:sldId id="277" r:id="rId22"/>
-    <p:sldId id="278" r:id="rId23"/>
-    <p:sldId id="279" r:id="rId24"/>
-    <p:sldId id="260" r:id="rId25"/>
+    <p:sldId id="260" r:id="rId8"/>
   </p:sldIdLst>
   <p:sldSz cx="9144000" cy="5143500" type="screen16x9"/>
   <p:notesSz cx="6858000" cy="9144000"/>
@@ -141,23 +124,6 @@
             <p14:sldId id="259"/>
             <p14:sldId id="258"/>
             <p14:sldId id="262"/>
-            <p14:sldId id="263"/>
-            <p14:sldId id="264"/>
-            <p14:sldId id="265"/>
-            <p14:sldId id="266"/>
-            <p14:sldId id="267"/>
-            <p14:sldId id="268"/>
-            <p14:sldId id="269"/>
-            <p14:sldId id="270"/>
-            <p14:sldId id="271"/>
-            <p14:sldId id="272"/>
-            <p14:sldId id="273"/>
-            <p14:sldId id="274"/>
-            <p14:sldId id="275"/>
-            <p14:sldId id="276"/>
-            <p14:sldId id="277"/>
-            <p14:sldId id="278"/>
-            <p14:sldId id="279"/>
             <p14:sldId id="260"/>
           </p14:sldIdLst>
         </p14:section>
@@ -574,7 +540,7 @@
           <a:bodyPr/>
           <a:lstStyle/>
           <a:p>
-            <a:endParaRPr lang="en-US" dirty="0"/>
+            <a:endParaRPr lang="en-US"/>
           </a:p>
         </p:txBody>
       </p:sp>
@@ -585,7 +551,7 @@
             <a:spLocks noGrp="1"/>
           </p:cNvSpPr>
           <p:nvPr>
-            <p:ph type="sldNum" sz="quarter" idx="5"/>
+            <p:ph type="sldNum" sz="quarter" idx="10"/>
           </p:nvPr>
         </p:nvSpPr>
         <p:spPr/>
@@ -593,177 +559,9 @@
           <a:bodyPr/>
           <a:lstStyle/>
           <a:p>
-            <a:fld id="{AF533E96-F078-4B3D-A8F4-F1AF21EBC357}" type="slidenum">
+            <a:fld id="{87350B06-B074-48FC-8CFD-53D2CD8FB95F}" type="slidenum">
               <a:rPr lang="en-US" smtClean="0"/>
               <a:t>7</a:t>
-            </a:fld>
-            <a:endParaRPr lang="en-US"/>
-          </a:p>
-        </p:txBody>
-      </p:sp>
-    </p:spTree>
-    <p:extLst>
-      <p:ext uri="{BB962C8B-B14F-4D97-AF65-F5344CB8AC3E}">
-        <p14:creationId xmlns:p14="http://schemas.microsoft.com/office/powerpoint/2010/main" val="3689071725"/>
-      </p:ext>
-    </p:extLst>
-  </p:cSld>
-  <p:clrMapOvr>
-    <a:masterClrMapping/>
-  </p:clrMapOvr>
-</p:notes>
-</file>
-
-<file path=ppt/notesSlides/notesSlide2.xml><?xml version="1.0" encoding="utf-8"?>
-<p:notes xmlns:a="http://schemas.openxmlformats.org/drawingml/2006/main" xmlns:r="http://schemas.openxmlformats.org/officeDocument/2006/relationships" xmlns:p="http://schemas.openxmlformats.org/presentationml/2006/main">
-  <p:cSld>
-    <p:spTree>
-      <p:nvGrpSpPr>
-        <p:cNvPr id="1" name=""/>
-        <p:cNvGrpSpPr/>
-        <p:nvPr/>
-      </p:nvGrpSpPr>
-      <p:grpSpPr>
-        <a:xfrm>
-          <a:off x="0" y="0"/>
-          <a:ext cx="0" cy="0"/>
-          <a:chOff x="0" y="0"/>
-          <a:chExt cx="0" cy="0"/>
-        </a:xfrm>
-      </p:grpSpPr>
-      <p:sp>
-        <p:nvSpPr>
-          <p:cNvPr id="2" name="Slide Image Placeholder 1"/>
-          <p:cNvSpPr>
-            <a:spLocks noGrp="1" noRot="1" noChangeAspect="1"/>
-          </p:cNvSpPr>
-          <p:nvPr>
-            <p:ph type="sldImg"/>
-          </p:nvPr>
-        </p:nvSpPr>
-        <p:spPr/>
-      </p:sp>
-      <p:sp>
-        <p:nvSpPr>
-          <p:cNvPr id="3" name="Notes Placeholder 2"/>
-          <p:cNvSpPr>
-            <a:spLocks noGrp="1"/>
-          </p:cNvSpPr>
-          <p:nvPr>
-            <p:ph type="body" idx="1"/>
-          </p:nvPr>
-        </p:nvSpPr>
-        <p:spPr/>
-        <p:txBody>
-          <a:bodyPr/>
-          <a:lstStyle/>
-          <a:p>
-            <a:endParaRPr lang="en-US" dirty="0"/>
-          </a:p>
-        </p:txBody>
-      </p:sp>
-      <p:sp>
-        <p:nvSpPr>
-          <p:cNvPr id="4" name="Slide Number Placeholder 3"/>
-          <p:cNvSpPr>
-            <a:spLocks noGrp="1"/>
-          </p:cNvSpPr>
-          <p:nvPr>
-            <p:ph type="sldNum" sz="quarter" idx="5"/>
-          </p:nvPr>
-        </p:nvSpPr>
-        <p:spPr/>
-        <p:txBody>
-          <a:bodyPr/>
-          <a:lstStyle/>
-          <a:p>
-            <a:fld id="{AF533E96-F078-4B3D-A8F4-F1AF21EBC357}" type="slidenum">
-              <a:rPr lang="en-US" smtClean="0"/>
-              <a:t>22</a:t>
-            </a:fld>
-            <a:endParaRPr lang="en-US"/>
-          </a:p>
-        </p:txBody>
-      </p:sp>
-    </p:spTree>
-    <p:extLst>
-      <p:ext uri="{BB962C8B-B14F-4D97-AF65-F5344CB8AC3E}">
-        <p14:creationId xmlns:p14="http://schemas.microsoft.com/office/powerpoint/2010/main" val="2283906190"/>
-      </p:ext>
-    </p:extLst>
-  </p:cSld>
-  <p:clrMapOvr>
-    <a:masterClrMapping/>
-  </p:clrMapOvr>
-</p:notes>
-</file>
-
-<file path=ppt/notesSlides/notesSlide3.xml><?xml version="1.0" encoding="utf-8"?>
-<p:notes xmlns:a="http://schemas.openxmlformats.org/drawingml/2006/main" xmlns:r="http://schemas.openxmlformats.org/officeDocument/2006/relationships" xmlns:p="http://schemas.openxmlformats.org/presentationml/2006/main">
-  <p:cSld>
-    <p:spTree>
-      <p:nvGrpSpPr>
-        <p:cNvPr id="1" name=""/>
-        <p:cNvGrpSpPr/>
-        <p:nvPr/>
-      </p:nvGrpSpPr>
-      <p:grpSpPr>
-        <a:xfrm>
-          <a:off x="0" y="0"/>
-          <a:ext cx="0" cy="0"/>
-          <a:chOff x="0" y="0"/>
-          <a:chExt cx="0" cy="0"/>
-        </a:xfrm>
-      </p:grpSpPr>
-      <p:sp>
-        <p:nvSpPr>
-          <p:cNvPr id="2" name="Slide Image Placeholder 1"/>
-          <p:cNvSpPr>
-            <a:spLocks noGrp="1" noRot="1" noChangeAspect="1"/>
-          </p:cNvSpPr>
-          <p:nvPr>
-            <p:ph type="sldImg"/>
-          </p:nvPr>
-        </p:nvSpPr>
-        <p:spPr/>
-      </p:sp>
-      <p:sp>
-        <p:nvSpPr>
-          <p:cNvPr id="3" name="Notes Placeholder 2"/>
-          <p:cNvSpPr>
-            <a:spLocks noGrp="1"/>
-          </p:cNvSpPr>
-          <p:nvPr>
-            <p:ph type="body" idx="1"/>
-          </p:nvPr>
-        </p:nvSpPr>
-        <p:spPr/>
-        <p:txBody>
-          <a:bodyPr/>
-          <a:lstStyle/>
-          <a:p>
-            <a:endParaRPr lang="en-US"/>
-          </a:p>
-        </p:txBody>
-      </p:sp>
-      <p:sp>
-        <p:nvSpPr>
-          <p:cNvPr id="4" name="Slide Number Placeholder 3"/>
-          <p:cNvSpPr>
-            <a:spLocks noGrp="1"/>
-          </p:cNvSpPr>
-          <p:nvPr>
-            <p:ph type="sldNum" sz="quarter" idx="10"/>
-          </p:nvPr>
-        </p:nvSpPr>
-        <p:spPr/>
-        <p:txBody>
-          <a:bodyPr/>
-          <a:lstStyle/>
-          <a:p>
-            <a:fld id="{87350B06-B074-48FC-8CFD-53D2CD8FB95F}" type="slidenum">
-              <a:rPr lang="en-US" smtClean="0"/>
-              <a:t>24</a:t>
             </a:fld>
             <a:endParaRPr lang="en-US"/>
           </a:p>
@@ -4295,54 +4093,13 @@
           <a:lstStyle/>
           <a:p>
             <a:pPr algn="ctr"/>
-            <a:r>
-              <a:rPr lang="en-US" b="1" dirty="0">
-                <a:solidFill>
-                  <a:srgbClr val="FF8225"/>
-                </a:solidFill>
-                <a:latin typeface="Times New Roman" panose="02020603050405020304" pitchFamily="18" charset="0"/>
-                <a:cs typeface="Times New Roman" panose="02020603050405020304" pitchFamily="18" charset="0"/>
-              </a:rPr>
-              <a:t>A Seminar Report on </a:t>
-            </a:r>
-            <a:br>
-              <a:rPr lang="en-US" b="1" dirty="0">
-                <a:solidFill>
-                  <a:srgbClr val="FF8225"/>
-                </a:solidFill>
-                <a:latin typeface="Times New Roman" panose="02020603050405020304" pitchFamily="18" charset="0"/>
-                <a:cs typeface="Times New Roman" panose="02020603050405020304" pitchFamily="18" charset="0"/>
-              </a:rPr>
-            </a:br>
-            <a:r>
-              <a:rPr lang="en-US" b="1" dirty="0">
-                <a:solidFill>
-                  <a:srgbClr val="FF8225"/>
-                </a:solidFill>
-                <a:latin typeface="Times New Roman" panose="02020603050405020304" pitchFamily="18" charset="0"/>
-                <a:cs typeface="Times New Roman" panose="02020603050405020304" pitchFamily="18" charset="0"/>
-              </a:rPr>
-              <a:t>MULTI-WAN Based SITE TO SITE VPN CONNECTION</a:t>
-            </a:r>
-            <a:br>
-              <a:rPr lang="en-US" b="1" dirty="0">
-                <a:solidFill>
-                  <a:srgbClr val="FF8225"/>
-                </a:solidFill>
-                <a:latin typeface="Times New Roman" panose="02020603050405020304" pitchFamily="18" charset="0"/>
-                <a:cs typeface="Times New Roman" panose="02020603050405020304" pitchFamily="18" charset="0"/>
-              </a:rPr>
-            </a:br>
-            <a:r>
-              <a:rPr lang="en-US" b="1" dirty="0">
-                <a:solidFill>
-                  <a:srgbClr val="FF8225"/>
-                </a:solidFill>
-                <a:latin typeface="Times New Roman" panose="02020603050405020304" pitchFamily="18" charset="0"/>
-                <a:cs typeface="Times New Roman" panose="02020603050405020304" pitchFamily="18" charset="0"/>
-              </a:rPr>
-              <a:t>USING IPsec</a:t>
-            </a:r>
+            <a:endParaRPr lang="en-US" b="1" dirty="0">
+              <a:solidFill>
+                <a:srgbClr val="FF8225"/>
+              </a:solidFill>
+              <a:latin typeface="Times New Roman" panose="02020603050405020304" pitchFamily="18" charset="0"/>
+              <a:cs typeface="Times New Roman" panose="02020603050405020304" pitchFamily="18" charset="0"/>
+            </a:endParaRPr>
           </a:p>
         </p:txBody>
       </p:sp>
@@ -4358,924 +4115,63 @@
         </p:nvSpPr>
         <p:spPr>
           <a:xfrm>
-            <a:off x="5385882" y="3938155"/>
+            <a:off x="5496791" y="4187536"/>
             <a:ext cx="3647209" cy="730043"/>
           </a:xfrm>
         </p:spPr>
         <p:txBody>
           <a:bodyPr>
-            <a:normAutofit fontScale="85000" lnSpcReduction="20000"/>
+            <a:normAutofit/>
           </a:bodyPr>
           <a:lstStyle/>
           <a:p>
             <a:r>
               <a:rPr lang="en-US" dirty="0"/>
-              <a:t>By: Eng Ismail Mohamed</a:t>
-            </a:r>
-            <a:br>
-              <a:rPr lang="en-US" dirty="0"/>
-            </a:br>
-            <a:r>
-              <a:rPr lang="en-US" dirty="0"/>
-              <a:t>(MSc In Computer Science</a:t>
-            </a:r>
-          </a:p>
-        </p:txBody>
-      </p:sp>
+              <a:t>Group 6 </a:t>
+            </a:r>
+          </a:p>
+        </p:txBody>
+      </p:sp>
+      <p:pic>
+        <p:nvPicPr>
+          <p:cNvPr id="5" name="Picture 4">
+            <a:extLst>
+              <a:ext uri="{FF2B5EF4-FFF2-40B4-BE49-F238E27FC236}">
+                <a16:creationId xmlns:a16="http://schemas.microsoft.com/office/drawing/2014/main" id="{17D0710B-1122-4D1A-837E-362DC1ABE8BA}"/>
+              </a:ext>
+            </a:extLst>
+          </p:cNvPr>
+          <p:cNvPicPr>
+            <a:picLocks noChangeAspect="1"/>
+          </p:cNvPicPr>
+          <p:nvPr/>
+        </p:nvPicPr>
+        <p:blipFill>
+          <a:blip r:embed="rId2" cstate="print">
+            <a:extLst>
+              <a:ext uri="{28A0092B-C50C-407E-A947-70E740481C1C}">
+                <a14:useLocalDpi xmlns:a14="http://schemas.microsoft.com/office/drawing/2010/main" val="0"/>
+              </a:ext>
+            </a:extLst>
+          </a:blip>
+          <a:stretch>
+            <a:fillRect/>
+          </a:stretch>
+        </p:blipFill>
+        <p:spPr>
+          <a:xfrm>
+            <a:off x="0" y="1236517"/>
+            <a:ext cx="2223181" cy="2254827"/>
+          </a:xfrm>
+          <a:prstGeom prst="rect">
+            <a:avLst/>
+          </a:prstGeom>
+        </p:spPr>
+      </p:pic>
     </p:spTree>
     <p:extLst>
       <p:ext uri="{BB962C8B-B14F-4D97-AF65-F5344CB8AC3E}">
         <p14:creationId xmlns:p14="http://schemas.microsoft.com/office/powerpoint/2010/main" val="363920370"/>
-      </p:ext>
-    </p:extLst>
-  </p:cSld>
-  <p:clrMapOvr>
-    <a:masterClrMapping/>
-  </p:clrMapOvr>
-</p:sld>
-</file>
-
-<file path=ppt/slides/slide10.xml><?xml version="1.0" encoding="utf-8"?>
-<p:sld xmlns:a="http://schemas.openxmlformats.org/drawingml/2006/main" xmlns:r="http://schemas.openxmlformats.org/officeDocument/2006/relationships" xmlns:p="http://schemas.openxmlformats.org/presentationml/2006/main">
-  <p:cSld>
-    <p:spTree>
-      <p:nvGrpSpPr>
-        <p:cNvPr id="1" name=""/>
-        <p:cNvGrpSpPr/>
-        <p:nvPr/>
-      </p:nvGrpSpPr>
-      <p:grpSpPr>
-        <a:xfrm>
-          <a:off x="0" y="0"/>
-          <a:ext cx="0" cy="0"/>
-          <a:chOff x="0" y="0"/>
-          <a:chExt cx="0" cy="0"/>
-        </a:xfrm>
-      </p:grpSpPr>
-      <p:sp>
-        <p:nvSpPr>
-          <p:cNvPr id="8" name="Title 7">
-            <a:extLst>
-              <a:ext uri="{FF2B5EF4-FFF2-40B4-BE49-F238E27FC236}">
-                <a16:creationId xmlns:a16="http://schemas.microsoft.com/office/drawing/2014/main" id="{ADD67391-31B3-4286-8C83-6F5EAA13E8AE}"/>
-              </a:ext>
-            </a:extLst>
-          </p:cNvPr>
-          <p:cNvSpPr>
-            <a:spLocks noGrp="1"/>
-          </p:cNvSpPr>
-          <p:nvPr>
-            <p:ph type="title"/>
-          </p:nvPr>
-        </p:nvSpPr>
-        <p:spPr>
-          <a:xfrm>
-            <a:off x="532693" y="1"/>
-            <a:ext cx="8611307" cy="902432"/>
-          </a:xfrm>
-        </p:spPr>
-        <p:txBody>
-          <a:bodyPr>
-            <a:normAutofit/>
-          </a:bodyPr>
-          <a:lstStyle/>
-          <a:p>
-            <a:r>
-              <a:rPr lang="en-US" sz="2000" b="1" dirty="0"/>
-              <a:t>2.2 Authentication, Authorization &amp; Accounting</a:t>
-            </a:r>
-            <a:br>
-              <a:rPr lang="en-US" sz="2000" b="1" dirty="0"/>
-            </a:br>
-            <a:r>
-              <a:rPr lang="en-US" sz="2000" b="1" dirty="0"/>
-              <a:t>2.3 Internet Protocol Security (IPsec)</a:t>
-            </a:r>
-          </a:p>
-        </p:txBody>
-      </p:sp>
-      <p:sp>
-        <p:nvSpPr>
-          <p:cNvPr id="3" name="Content Placeholder 2">
-            <a:extLst>
-              <a:ext uri="{FF2B5EF4-FFF2-40B4-BE49-F238E27FC236}">
-                <a16:creationId xmlns:a16="http://schemas.microsoft.com/office/drawing/2014/main" id="{4CE5B895-F7C2-4474-A73A-ACB184D3A861}"/>
-              </a:ext>
-            </a:extLst>
-          </p:cNvPr>
-          <p:cNvSpPr>
-            <a:spLocks noGrp="1"/>
-          </p:cNvSpPr>
-          <p:nvPr>
-            <p:ph sz="half" idx="2"/>
-          </p:nvPr>
-        </p:nvSpPr>
-        <p:spPr/>
-        <p:txBody>
-          <a:bodyPr/>
-          <a:lstStyle/>
-          <a:p>
-            <a:endParaRPr lang="en-US" dirty="0"/>
-          </a:p>
-        </p:txBody>
-      </p:sp>
-    </p:spTree>
-    <p:extLst>
-      <p:ext uri="{BB962C8B-B14F-4D97-AF65-F5344CB8AC3E}">
-        <p14:creationId xmlns:p14="http://schemas.microsoft.com/office/powerpoint/2010/main" val="25319707"/>
-      </p:ext>
-    </p:extLst>
-  </p:cSld>
-  <p:clrMapOvr>
-    <a:masterClrMapping/>
-  </p:clrMapOvr>
-</p:sld>
-</file>
-
-<file path=ppt/slides/slide11.xml><?xml version="1.0" encoding="utf-8"?>
-<p:sld xmlns:a="http://schemas.openxmlformats.org/drawingml/2006/main" xmlns:r="http://schemas.openxmlformats.org/officeDocument/2006/relationships" xmlns:p="http://schemas.openxmlformats.org/presentationml/2006/main">
-  <p:cSld>
-    <p:spTree>
-      <p:nvGrpSpPr>
-        <p:cNvPr id="1" name=""/>
-        <p:cNvGrpSpPr/>
-        <p:nvPr/>
-      </p:nvGrpSpPr>
-      <p:grpSpPr>
-        <a:xfrm>
-          <a:off x="0" y="0"/>
-          <a:ext cx="0" cy="0"/>
-          <a:chOff x="0" y="0"/>
-          <a:chExt cx="0" cy="0"/>
-        </a:xfrm>
-      </p:grpSpPr>
-      <p:sp>
-        <p:nvSpPr>
-          <p:cNvPr id="4" name="Title 3"/>
-          <p:cNvSpPr>
-            <a:spLocks noGrp="1"/>
-          </p:cNvSpPr>
-          <p:nvPr>
-            <p:ph type="title"/>
-          </p:nvPr>
-        </p:nvSpPr>
-        <p:spPr/>
-        <p:txBody>
-          <a:bodyPr>
-            <a:normAutofit/>
-          </a:bodyPr>
-          <a:lstStyle/>
-          <a:p>
-            <a:r>
-              <a:rPr lang="en-US" b="1" dirty="0"/>
-              <a:t>2.3.1 Application of IPsec</a:t>
-            </a:r>
-            <a:endParaRPr lang="en-US" dirty="0"/>
-          </a:p>
-        </p:txBody>
-      </p:sp>
-      <p:sp>
-        <p:nvSpPr>
-          <p:cNvPr id="3" name="Content Placeholder 2">
-            <a:extLst>
-              <a:ext uri="{FF2B5EF4-FFF2-40B4-BE49-F238E27FC236}">
-                <a16:creationId xmlns:a16="http://schemas.microsoft.com/office/drawing/2014/main" id="{EDD7522F-A2AA-49AD-9F13-D3069B65C974}"/>
-              </a:ext>
-            </a:extLst>
-          </p:cNvPr>
-          <p:cNvSpPr>
-            <a:spLocks noGrp="1"/>
-          </p:cNvSpPr>
-          <p:nvPr>
-            <p:ph sz="half" idx="2"/>
-          </p:nvPr>
-        </p:nvSpPr>
-        <p:spPr/>
-        <p:txBody>
-          <a:bodyPr/>
-          <a:lstStyle/>
-          <a:p>
-            <a:endParaRPr lang="en-US"/>
-          </a:p>
-        </p:txBody>
-      </p:sp>
-    </p:spTree>
-    <p:extLst>
-      <p:ext uri="{BB962C8B-B14F-4D97-AF65-F5344CB8AC3E}">
-        <p14:creationId xmlns:p14="http://schemas.microsoft.com/office/powerpoint/2010/main" val="3059891172"/>
-      </p:ext>
-    </p:extLst>
-  </p:cSld>
-  <p:clrMapOvr>
-    <a:masterClrMapping/>
-  </p:clrMapOvr>
-</p:sld>
-</file>
-
-<file path=ppt/slides/slide12.xml><?xml version="1.0" encoding="utf-8"?>
-<p:sld xmlns:a="http://schemas.openxmlformats.org/drawingml/2006/main" xmlns:r="http://schemas.openxmlformats.org/officeDocument/2006/relationships" xmlns:p="http://schemas.openxmlformats.org/presentationml/2006/main">
-  <p:cSld>
-    <p:spTree>
-      <p:nvGrpSpPr>
-        <p:cNvPr id="1" name=""/>
-        <p:cNvGrpSpPr/>
-        <p:nvPr/>
-      </p:nvGrpSpPr>
-      <p:grpSpPr>
-        <a:xfrm>
-          <a:off x="0" y="0"/>
-          <a:ext cx="0" cy="0"/>
-          <a:chOff x="0" y="0"/>
-          <a:chExt cx="0" cy="0"/>
-        </a:xfrm>
-      </p:grpSpPr>
-      <p:sp>
-        <p:nvSpPr>
-          <p:cNvPr id="3" name="Title 2">
-            <a:extLst>
-              <a:ext uri="{FF2B5EF4-FFF2-40B4-BE49-F238E27FC236}">
-                <a16:creationId xmlns:a16="http://schemas.microsoft.com/office/drawing/2014/main" id="{BEF71BAB-A9A0-4FD4-89AB-FF5ED4AC4C52}"/>
-              </a:ext>
-            </a:extLst>
-          </p:cNvPr>
-          <p:cNvSpPr>
-            <a:spLocks noGrp="1"/>
-          </p:cNvSpPr>
-          <p:nvPr>
-            <p:ph type="title"/>
-          </p:nvPr>
-        </p:nvSpPr>
-        <p:spPr>
-          <a:xfrm>
-            <a:off x="532693" y="1"/>
-            <a:ext cx="8517789" cy="902432"/>
-          </a:xfrm>
-        </p:spPr>
-        <p:txBody>
-          <a:bodyPr>
-            <a:normAutofit fontScale="90000"/>
-          </a:bodyPr>
-          <a:lstStyle/>
-          <a:p>
-            <a:r>
-              <a:rPr lang="en-US" b="1" dirty="0">
-                <a:effectLst/>
-              </a:rPr>
-              <a:t>Chapter Three</a:t>
-            </a:r>
-            <a:br>
-              <a:rPr lang="en-US" dirty="0">
-                <a:effectLst/>
-              </a:rPr>
-            </a:br>
-            <a:r>
-              <a:rPr lang="en-US" dirty="0">
-                <a:effectLst/>
-              </a:rPr>
-              <a:t>3.1 Design &amp; Implementation</a:t>
-            </a:r>
-            <a:endParaRPr lang="en-US" dirty="0"/>
-          </a:p>
-        </p:txBody>
-      </p:sp>
-      <p:sp>
-        <p:nvSpPr>
-          <p:cNvPr id="4" name="Content Placeholder 3">
-            <a:extLst>
-              <a:ext uri="{FF2B5EF4-FFF2-40B4-BE49-F238E27FC236}">
-                <a16:creationId xmlns:a16="http://schemas.microsoft.com/office/drawing/2014/main" id="{29D0CFBD-3640-416B-BABE-F31357701015}"/>
-              </a:ext>
-            </a:extLst>
-          </p:cNvPr>
-          <p:cNvSpPr>
-            <a:spLocks noGrp="1"/>
-          </p:cNvSpPr>
-          <p:nvPr>
-            <p:ph sz="half" idx="2"/>
-          </p:nvPr>
-        </p:nvSpPr>
-        <p:spPr/>
-        <p:txBody>
-          <a:bodyPr/>
-          <a:lstStyle/>
-          <a:p>
-            <a:endParaRPr lang="en-US"/>
-          </a:p>
-        </p:txBody>
-      </p:sp>
-    </p:spTree>
-    <p:extLst>
-      <p:ext uri="{BB962C8B-B14F-4D97-AF65-F5344CB8AC3E}">
-        <p14:creationId xmlns:p14="http://schemas.microsoft.com/office/powerpoint/2010/main" val="2333769156"/>
-      </p:ext>
-    </p:extLst>
-  </p:cSld>
-  <p:clrMapOvr>
-    <a:masterClrMapping/>
-  </p:clrMapOvr>
-</p:sld>
-</file>
-
-<file path=ppt/slides/slide13.xml><?xml version="1.0" encoding="utf-8"?>
-<p:sld xmlns:a="http://schemas.openxmlformats.org/drawingml/2006/main" xmlns:r="http://schemas.openxmlformats.org/officeDocument/2006/relationships" xmlns:p="http://schemas.openxmlformats.org/presentationml/2006/main">
-  <p:cSld>
-    <p:spTree>
-      <p:nvGrpSpPr>
-        <p:cNvPr id="1" name=""/>
-        <p:cNvGrpSpPr/>
-        <p:nvPr/>
-      </p:nvGrpSpPr>
-      <p:grpSpPr>
-        <a:xfrm>
-          <a:off x="0" y="0"/>
-          <a:ext cx="0" cy="0"/>
-          <a:chOff x="0" y="0"/>
-          <a:chExt cx="0" cy="0"/>
-        </a:xfrm>
-      </p:grpSpPr>
-      <p:sp>
-        <p:nvSpPr>
-          <p:cNvPr id="4" name="Title 3"/>
-          <p:cNvSpPr>
-            <a:spLocks noGrp="1"/>
-          </p:cNvSpPr>
-          <p:nvPr>
-            <p:ph type="title"/>
-          </p:nvPr>
-        </p:nvSpPr>
-        <p:spPr>
-          <a:xfrm>
-            <a:off x="532693" y="1"/>
-            <a:ext cx="8611307" cy="902432"/>
-          </a:xfrm>
-        </p:spPr>
-        <p:txBody>
-          <a:bodyPr>
-            <a:normAutofit fontScale="90000"/>
-          </a:bodyPr>
-          <a:lstStyle/>
-          <a:p>
-            <a:r>
-              <a:rPr lang="en-US" b="1" dirty="0">
-                <a:effectLst/>
-              </a:rPr>
-              <a:t>3.2 System Requirements</a:t>
-            </a:r>
-            <a:r>
-              <a:rPr lang="en-US" dirty="0">
-                <a:effectLst/>
-              </a:rPr>
-              <a:t> </a:t>
-            </a:r>
-            <a:br>
-              <a:rPr lang="en-US" dirty="0">
-                <a:effectLst/>
-              </a:rPr>
-            </a:br>
-            <a:r>
-              <a:rPr lang="en-US" b="1" dirty="0">
-                <a:effectLst/>
-              </a:rPr>
-              <a:t>3.2.1</a:t>
-            </a:r>
-            <a:r>
-              <a:rPr lang="en-US" dirty="0">
-                <a:effectLst/>
-              </a:rPr>
-              <a:t>	</a:t>
-            </a:r>
-            <a:r>
-              <a:rPr lang="en-US" b="1" dirty="0">
-                <a:effectLst/>
-              </a:rPr>
-              <a:t>Hardware Requirement</a:t>
-            </a:r>
-            <a:endParaRPr lang="en-US" dirty="0">
-              <a:effectLst/>
-            </a:endParaRPr>
-          </a:p>
-        </p:txBody>
-      </p:sp>
-      <p:sp>
-        <p:nvSpPr>
-          <p:cNvPr id="3" name="Content Placeholder 2">
-            <a:extLst>
-              <a:ext uri="{FF2B5EF4-FFF2-40B4-BE49-F238E27FC236}">
-                <a16:creationId xmlns:a16="http://schemas.microsoft.com/office/drawing/2014/main" id="{C5867053-5C35-489F-B903-25561AEEC67E}"/>
-              </a:ext>
-            </a:extLst>
-          </p:cNvPr>
-          <p:cNvSpPr>
-            <a:spLocks noGrp="1"/>
-          </p:cNvSpPr>
-          <p:nvPr>
-            <p:ph sz="half" idx="2"/>
-          </p:nvPr>
-        </p:nvSpPr>
-        <p:spPr/>
-        <p:txBody>
-          <a:bodyPr/>
-          <a:lstStyle/>
-          <a:p>
-            <a:endParaRPr lang="en-US"/>
-          </a:p>
-        </p:txBody>
-      </p:sp>
-    </p:spTree>
-    <p:extLst>
-      <p:ext uri="{BB962C8B-B14F-4D97-AF65-F5344CB8AC3E}">
-        <p14:creationId xmlns:p14="http://schemas.microsoft.com/office/powerpoint/2010/main" val="3307122448"/>
-      </p:ext>
-    </p:extLst>
-  </p:cSld>
-  <p:clrMapOvr>
-    <a:masterClrMapping/>
-  </p:clrMapOvr>
-</p:sld>
-</file>
-
-<file path=ppt/slides/slide14.xml><?xml version="1.0" encoding="utf-8"?>
-<p:sld xmlns:a="http://schemas.openxmlformats.org/drawingml/2006/main" xmlns:r="http://schemas.openxmlformats.org/officeDocument/2006/relationships" xmlns:p="http://schemas.openxmlformats.org/presentationml/2006/main">
-  <p:cSld>
-    <p:spTree>
-      <p:nvGrpSpPr>
-        <p:cNvPr id="1" name=""/>
-        <p:cNvGrpSpPr/>
-        <p:nvPr/>
-      </p:nvGrpSpPr>
-      <p:grpSpPr>
-        <a:xfrm>
-          <a:off x="0" y="0"/>
-          <a:ext cx="0" cy="0"/>
-          <a:chOff x="0" y="0"/>
-          <a:chExt cx="0" cy="0"/>
-        </a:xfrm>
-      </p:grpSpPr>
-      <p:sp>
-        <p:nvSpPr>
-          <p:cNvPr id="4" name="Title 3"/>
-          <p:cNvSpPr>
-            <a:spLocks noGrp="1"/>
-          </p:cNvSpPr>
-          <p:nvPr>
-            <p:ph type="title"/>
-          </p:nvPr>
-        </p:nvSpPr>
-        <p:spPr>
-          <a:xfrm>
-            <a:off x="1004644" y="138906"/>
-            <a:ext cx="8093365" cy="763525"/>
-          </a:xfrm>
-        </p:spPr>
-        <p:txBody>
-          <a:bodyPr>
-            <a:normAutofit/>
-          </a:bodyPr>
-          <a:lstStyle/>
-          <a:p>
-            <a:r>
-              <a:rPr lang="en-US" b="1" dirty="0"/>
-              <a:t>3.2.2 Software Requirements</a:t>
-            </a:r>
-            <a:endParaRPr lang="en-US" dirty="0"/>
-          </a:p>
-        </p:txBody>
-      </p:sp>
-    </p:spTree>
-    <p:extLst>
-      <p:ext uri="{BB962C8B-B14F-4D97-AF65-F5344CB8AC3E}">
-        <p14:creationId xmlns:p14="http://schemas.microsoft.com/office/powerpoint/2010/main" val="793658308"/>
-      </p:ext>
-    </p:extLst>
-  </p:cSld>
-  <p:clrMapOvr>
-    <a:masterClrMapping/>
-  </p:clrMapOvr>
-</p:sld>
-</file>
-
-<file path=ppt/slides/slide15.xml><?xml version="1.0" encoding="utf-8"?>
-<p:sld xmlns:a="http://schemas.openxmlformats.org/drawingml/2006/main" xmlns:r="http://schemas.openxmlformats.org/officeDocument/2006/relationships" xmlns:p="http://schemas.openxmlformats.org/presentationml/2006/main">
-  <p:cSld>
-    <p:spTree>
-      <p:nvGrpSpPr>
-        <p:cNvPr id="1" name=""/>
-        <p:cNvGrpSpPr/>
-        <p:nvPr/>
-      </p:nvGrpSpPr>
-      <p:grpSpPr>
-        <a:xfrm>
-          <a:off x="0" y="0"/>
-          <a:ext cx="0" cy="0"/>
-          <a:chOff x="0" y="0"/>
-          <a:chExt cx="0" cy="0"/>
-        </a:xfrm>
-      </p:grpSpPr>
-      <p:sp>
-        <p:nvSpPr>
-          <p:cNvPr id="4" name="Title 3"/>
-          <p:cNvSpPr>
-            <a:spLocks noGrp="1"/>
-          </p:cNvSpPr>
-          <p:nvPr>
-            <p:ph type="title"/>
-          </p:nvPr>
-        </p:nvSpPr>
-        <p:spPr>
-          <a:xfrm>
-            <a:off x="1050635" y="138907"/>
-            <a:ext cx="8093365" cy="763525"/>
-          </a:xfrm>
-        </p:spPr>
-        <p:txBody>
-          <a:bodyPr>
-            <a:normAutofit/>
-          </a:bodyPr>
-          <a:lstStyle/>
-          <a:p>
-            <a:r>
-              <a:rPr lang="en-US" b="1" dirty="0"/>
-              <a:t>3.3 Site B Network Design</a:t>
-            </a:r>
-            <a:endParaRPr lang="en-US" dirty="0"/>
-          </a:p>
-        </p:txBody>
-      </p:sp>
-      <p:sp>
-        <p:nvSpPr>
-          <p:cNvPr id="5" name="Content Placeholder 4">
-            <a:extLst>
-              <a:ext uri="{FF2B5EF4-FFF2-40B4-BE49-F238E27FC236}">
-                <a16:creationId xmlns:a16="http://schemas.microsoft.com/office/drawing/2014/main" id="{58713B35-3B24-4478-95AA-F2661CFEC0E5}"/>
-              </a:ext>
-            </a:extLst>
-          </p:cNvPr>
-          <p:cNvSpPr>
-            <a:spLocks noGrp="1"/>
-          </p:cNvSpPr>
-          <p:nvPr>
-            <p:ph sz="half" idx="2"/>
-          </p:nvPr>
-        </p:nvSpPr>
-        <p:spPr/>
-        <p:txBody>
-          <a:bodyPr/>
-          <a:lstStyle/>
-          <a:p>
-            <a:endParaRPr lang="en-US" dirty="0"/>
-          </a:p>
-        </p:txBody>
-      </p:sp>
-    </p:spTree>
-    <p:extLst>
-      <p:ext uri="{BB962C8B-B14F-4D97-AF65-F5344CB8AC3E}">
-        <p14:creationId xmlns:p14="http://schemas.microsoft.com/office/powerpoint/2010/main" val="1941853716"/>
-      </p:ext>
-    </p:extLst>
-  </p:cSld>
-  <p:clrMapOvr>
-    <a:masterClrMapping/>
-  </p:clrMapOvr>
-</p:sld>
-</file>
-
-<file path=ppt/slides/slide16.xml><?xml version="1.0" encoding="utf-8"?>
-<p:sld xmlns:a="http://schemas.openxmlformats.org/drawingml/2006/main" xmlns:r="http://schemas.openxmlformats.org/officeDocument/2006/relationships" xmlns:p="http://schemas.openxmlformats.org/presentationml/2006/main">
-  <p:cSld>
-    <p:spTree>
-      <p:nvGrpSpPr>
-        <p:cNvPr id="1" name=""/>
-        <p:cNvGrpSpPr/>
-        <p:nvPr/>
-      </p:nvGrpSpPr>
-      <p:grpSpPr>
-        <a:xfrm>
-          <a:off x="0" y="0"/>
-          <a:ext cx="0" cy="0"/>
-          <a:chOff x="0" y="0"/>
-          <a:chExt cx="0" cy="0"/>
-        </a:xfrm>
-      </p:grpSpPr>
-      <p:sp>
-        <p:nvSpPr>
-          <p:cNvPr id="2" name="Title 1">
-            <a:extLst>
-              <a:ext uri="{FF2B5EF4-FFF2-40B4-BE49-F238E27FC236}">
-                <a16:creationId xmlns:a16="http://schemas.microsoft.com/office/drawing/2014/main" id="{E9930356-B773-4B92-B6AE-38E4028EAA88}"/>
-              </a:ext>
-            </a:extLst>
-          </p:cNvPr>
-          <p:cNvSpPr>
-            <a:spLocks noGrp="1"/>
-          </p:cNvSpPr>
-          <p:nvPr>
-            <p:ph type="title"/>
-          </p:nvPr>
-        </p:nvSpPr>
-        <p:spPr>
-          <a:xfrm>
-            <a:off x="884902" y="86910"/>
-            <a:ext cx="8259098" cy="763526"/>
-          </a:xfrm>
-        </p:spPr>
-        <p:txBody>
-          <a:bodyPr>
-            <a:normAutofit fontScale="90000"/>
-          </a:bodyPr>
-          <a:lstStyle/>
-          <a:p>
-            <a:r>
-              <a:rPr lang="en-US" b="1" dirty="0">
-                <a:effectLst/>
-              </a:rPr>
-              <a:t>3.4 Implementation </a:t>
-            </a:r>
-            <a:br>
-              <a:rPr lang="en-US" b="1" dirty="0">
-                <a:effectLst/>
-              </a:rPr>
-            </a:br>
-            <a:r>
-              <a:rPr lang="en-US" b="1" dirty="0">
-                <a:effectLst/>
-              </a:rPr>
-              <a:t>3.4.1 Configuring: Interfaces</a:t>
-            </a:r>
-            <a:endParaRPr lang="en-US" dirty="0"/>
-          </a:p>
-        </p:txBody>
-      </p:sp>
-      <p:sp>
-        <p:nvSpPr>
-          <p:cNvPr id="4" name="Content Placeholder 3">
-            <a:extLst>
-              <a:ext uri="{FF2B5EF4-FFF2-40B4-BE49-F238E27FC236}">
-                <a16:creationId xmlns:a16="http://schemas.microsoft.com/office/drawing/2014/main" id="{29906BFD-5146-4998-857B-8C4222FE50C2}"/>
-              </a:ext>
-            </a:extLst>
-          </p:cNvPr>
-          <p:cNvSpPr>
-            <a:spLocks noGrp="1"/>
-          </p:cNvSpPr>
-          <p:nvPr>
-            <p:ph idx="1"/>
-          </p:nvPr>
-        </p:nvSpPr>
-        <p:spPr/>
-        <p:txBody>
-          <a:bodyPr/>
-          <a:lstStyle/>
-          <a:p>
-            <a:endParaRPr lang="en-US"/>
-          </a:p>
-        </p:txBody>
-      </p:sp>
-    </p:spTree>
-    <p:extLst>
-      <p:ext uri="{BB962C8B-B14F-4D97-AF65-F5344CB8AC3E}">
-        <p14:creationId xmlns:p14="http://schemas.microsoft.com/office/powerpoint/2010/main" val="810346589"/>
-      </p:ext>
-    </p:extLst>
-  </p:cSld>
-  <p:clrMapOvr>
-    <a:masterClrMapping/>
-  </p:clrMapOvr>
-</p:sld>
-</file>
-
-<file path=ppt/slides/slide17.xml><?xml version="1.0" encoding="utf-8"?>
-<p:sld xmlns:a="http://schemas.openxmlformats.org/drawingml/2006/main" xmlns:r="http://schemas.openxmlformats.org/officeDocument/2006/relationships" xmlns:p="http://schemas.openxmlformats.org/presentationml/2006/main">
-  <p:cSld>
-    <p:spTree>
-      <p:nvGrpSpPr>
-        <p:cNvPr id="1" name=""/>
-        <p:cNvGrpSpPr/>
-        <p:nvPr/>
-      </p:nvGrpSpPr>
-      <p:grpSpPr>
-        <a:xfrm>
-          <a:off x="0" y="0"/>
-          <a:ext cx="0" cy="0"/>
-          <a:chOff x="0" y="0"/>
-          <a:chExt cx="0" cy="0"/>
-        </a:xfrm>
-      </p:grpSpPr>
-      <p:sp>
-        <p:nvSpPr>
-          <p:cNvPr id="2" name="Title 1">
-            <a:extLst>
-              <a:ext uri="{FF2B5EF4-FFF2-40B4-BE49-F238E27FC236}">
-                <a16:creationId xmlns:a16="http://schemas.microsoft.com/office/drawing/2014/main" id="{179D0C75-88AF-4BF9-A830-08498C96AD37}"/>
-              </a:ext>
-            </a:extLst>
-          </p:cNvPr>
-          <p:cNvSpPr>
-            <a:spLocks noGrp="1"/>
-          </p:cNvSpPr>
-          <p:nvPr>
-            <p:ph type="title"/>
-          </p:nvPr>
-        </p:nvSpPr>
-        <p:spPr>
-          <a:xfrm>
-            <a:off x="884902" y="86910"/>
-            <a:ext cx="8259098" cy="763526"/>
-          </a:xfrm>
-        </p:spPr>
-        <p:txBody>
-          <a:bodyPr/>
-          <a:lstStyle/>
-          <a:p>
-            <a:r>
-              <a:rPr lang="en-US" b="1" dirty="0">
-                <a:effectLst/>
-              </a:rPr>
-              <a:t>3.4.2 IPsec: Internet Key Exchange</a:t>
-            </a:r>
-            <a:endParaRPr lang="en-US" dirty="0">
-              <a:effectLst/>
-            </a:endParaRPr>
-          </a:p>
-        </p:txBody>
-      </p:sp>
-      <p:sp>
-        <p:nvSpPr>
-          <p:cNvPr id="5" name="Content Placeholder 4">
-            <a:extLst>
-              <a:ext uri="{FF2B5EF4-FFF2-40B4-BE49-F238E27FC236}">
-                <a16:creationId xmlns:a16="http://schemas.microsoft.com/office/drawing/2014/main" id="{7E8179C7-0695-47A3-92F4-971885312318}"/>
-              </a:ext>
-            </a:extLst>
-          </p:cNvPr>
-          <p:cNvSpPr>
-            <a:spLocks noGrp="1"/>
-          </p:cNvSpPr>
-          <p:nvPr>
-            <p:ph idx="1"/>
-          </p:nvPr>
-        </p:nvSpPr>
-        <p:spPr/>
-        <p:txBody>
-          <a:bodyPr/>
-          <a:lstStyle/>
-          <a:p>
-            <a:endParaRPr lang="en-US"/>
-          </a:p>
-        </p:txBody>
-      </p:sp>
-    </p:spTree>
-    <p:extLst>
-      <p:ext uri="{BB962C8B-B14F-4D97-AF65-F5344CB8AC3E}">
-        <p14:creationId xmlns:p14="http://schemas.microsoft.com/office/powerpoint/2010/main" val="1030117751"/>
-      </p:ext>
-    </p:extLst>
-  </p:cSld>
-  <p:clrMapOvr>
-    <a:masterClrMapping/>
-  </p:clrMapOvr>
-</p:sld>
-</file>
-
-<file path=ppt/slides/slide18.xml><?xml version="1.0" encoding="utf-8"?>
-<p:sld xmlns:a="http://schemas.openxmlformats.org/drawingml/2006/main" xmlns:r="http://schemas.openxmlformats.org/officeDocument/2006/relationships" xmlns:p="http://schemas.openxmlformats.org/presentationml/2006/main">
-  <p:cSld>
-    <p:spTree>
-      <p:nvGrpSpPr>
-        <p:cNvPr id="1" name=""/>
-        <p:cNvGrpSpPr/>
-        <p:nvPr/>
-      </p:nvGrpSpPr>
-      <p:grpSpPr>
-        <a:xfrm>
-          <a:off x="0" y="0"/>
-          <a:ext cx="0" cy="0"/>
-          <a:chOff x="0" y="0"/>
-          <a:chExt cx="0" cy="0"/>
-        </a:xfrm>
-      </p:grpSpPr>
-      <p:sp>
-        <p:nvSpPr>
-          <p:cNvPr id="2" name="Title 1">
-            <a:extLst>
-              <a:ext uri="{FF2B5EF4-FFF2-40B4-BE49-F238E27FC236}">
-                <a16:creationId xmlns:a16="http://schemas.microsoft.com/office/drawing/2014/main" id="{2E2437E6-3299-460E-A4CD-215B927B86DC}"/>
-              </a:ext>
-            </a:extLst>
-          </p:cNvPr>
-          <p:cNvSpPr>
-            <a:spLocks noGrp="1"/>
-          </p:cNvSpPr>
-          <p:nvPr>
-            <p:ph type="title"/>
-          </p:nvPr>
-        </p:nvSpPr>
-        <p:spPr/>
-        <p:txBody>
-          <a:bodyPr/>
-          <a:lstStyle/>
-          <a:p>
-            <a:r>
-              <a:rPr lang="en-US" dirty="0"/>
-              <a:t>IPsec - IKE</a:t>
-            </a:r>
-          </a:p>
-        </p:txBody>
-      </p:sp>
-      <p:sp>
-        <p:nvSpPr>
-          <p:cNvPr id="6" name="Content Placeholder 5">
-            <a:extLst>
-              <a:ext uri="{FF2B5EF4-FFF2-40B4-BE49-F238E27FC236}">
-                <a16:creationId xmlns:a16="http://schemas.microsoft.com/office/drawing/2014/main" id="{64CDEE5A-255D-45BA-BE7D-3E5C4991D768}"/>
-              </a:ext>
-            </a:extLst>
-          </p:cNvPr>
-          <p:cNvSpPr>
-            <a:spLocks noGrp="1"/>
-          </p:cNvSpPr>
-          <p:nvPr>
-            <p:ph idx="1"/>
-          </p:nvPr>
-        </p:nvSpPr>
-        <p:spPr/>
-        <p:txBody>
-          <a:bodyPr/>
-          <a:lstStyle/>
-          <a:p>
-            <a:endParaRPr lang="en-US"/>
-          </a:p>
-        </p:txBody>
-      </p:sp>
-    </p:spTree>
-    <p:extLst>
-      <p:ext uri="{BB962C8B-B14F-4D97-AF65-F5344CB8AC3E}">
-        <p14:creationId xmlns:p14="http://schemas.microsoft.com/office/powerpoint/2010/main" val="1055952579"/>
-      </p:ext>
-    </p:extLst>
-  </p:cSld>
-  <p:clrMapOvr>
-    <a:masterClrMapping/>
-  </p:clrMapOvr>
-</p:sld>
-</file>
-
-<file path=ppt/slides/slide19.xml><?xml version="1.0" encoding="utf-8"?>
-<p:sld xmlns:a="http://schemas.openxmlformats.org/drawingml/2006/main" xmlns:r="http://schemas.openxmlformats.org/officeDocument/2006/relationships" xmlns:p="http://schemas.openxmlformats.org/presentationml/2006/main">
-  <p:cSld>
-    <p:spTree>
-      <p:nvGrpSpPr>
-        <p:cNvPr id="1" name=""/>
-        <p:cNvGrpSpPr/>
-        <p:nvPr/>
-      </p:nvGrpSpPr>
-      <p:grpSpPr>
-        <a:xfrm>
-          <a:off x="0" y="0"/>
-          <a:ext cx="0" cy="0"/>
-          <a:chOff x="0" y="0"/>
-          <a:chExt cx="0" cy="0"/>
-        </a:xfrm>
-      </p:grpSpPr>
-      <p:sp>
-        <p:nvSpPr>
-          <p:cNvPr id="2" name="Title 1">
-            <a:extLst>
-              <a:ext uri="{FF2B5EF4-FFF2-40B4-BE49-F238E27FC236}">
-                <a16:creationId xmlns:a16="http://schemas.microsoft.com/office/drawing/2014/main" id="{404C056F-FA0F-4D7C-B98E-F94A1405B28B}"/>
-              </a:ext>
-            </a:extLst>
-          </p:cNvPr>
-          <p:cNvSpPr>
-            <a:spLocks noGrp="1"/>
-          </p:cNvSpPr>
-          <p:nvPr>
-            <p:ph type="title"/>
-          </p:nvPr>
-        </p:nvSpPr>
-        <p:spPr>
-          <a:xfrm>
-            <a:off x="835630" y="159647"/>
-            <a:ext cx="8259098" cy="763526"/>
-          </a:xfrm>
-        </p:spPr>
-        <p:txBody>
-          <a:bodyPr>
-            <a:normAutofit/>
-          </a:bodyPr>
-          <a:lstStyle/>
-          <a:p>
-            <a:r>
-              <a:rPr lang="en-US" b="1" dirty="0"/>
-              <a:t>3.4.3 IPsec: Tunnel Authentication</a:t>
-            </a:r>
-            <a:endParaRPr lang="en-US" dirty="0"/>
-          </a:p>
-        </p:txBody>
-      </p:sp>
-    </p:spTree>
-    <p:extLst>
-      <p:ext uri="{BB962C8B-B14F-4D97-AF65-F5344CB8AC3E}">
-        <p14:creationId xmlns:p14="http://schemas.microsoft.com/office/powerpoint/2010/main" val="3315604020"/>
       </p:ext>
     </p:extLst>
   </p:cSld>
@@ -5304,30 +4200,6 @@
       </p:grpSpPr>
       <p:sp>
         <p:nvSpPr>
-          <p:cNvPr id="2" name="Title 1"/>
-          <p:cNvSpPr>
-            <a:spLocks noGrp="1"/>
-          </p:cNvSpPr>
-          <p:nvPr>
-            <p:ph type="title"/>
-          </p:nvPr>
-        </p:nvSpPr>
-        <p:spPr/>
-        <p:txBody>
-          <a:bodyPr>
-            <a:normAutofit/>
-          </a:bodyPr>
-          <a:lstStyle/>
-          <a:p>
-            <a:r>
-              <a:rPr lang="en-US" dirty="0"/>
-              <a:t>Contents</a:t>
-            </a:r>
-          </a:p>
-        </p:txBody>
-      </p:sp>
-      <p:sp>
-        <p:nvSpPr>
           <p:cNvPr id="5" name="Content Placeholder 4">
             <a:extLst>
               <a:ext uri="{FF2B5EF4-FFF2-40B4-BE49-F238E27FC236}">
@@ -5364,7 +4236,7 @@
 </p:sld>
 </file>
 
-<file path=ppt/slides/slide20.xml><?xml version="1.0" encoding="utf-8"?>
+<file path=ppt/slides/slide3.xml><?xml version="1.0" encoding="utf-8"?>
 <p:sld xmlns:a="http://schemas.openxmlformats.org/drawingml/2006/main" xmlns:r="http://schemas.openxmlformats.org/officeDocument/2006/relationships" xmlns:p="http://schemas.openxmlformats.org/presentationml/2006/main">
   <p:cSld>
     <p:spTree>
@@ -5383,10 +4255,10 @@
       </p:grpSpPr>
       <p:sp>
         <p:nvSpPr>
-          <p:cNvPr id="2" name="Title 1">
+          <p:cNvPr id="5" name="Content Placeholder 4">
             <a:extLst>
               <a:ext uri="{FF2B5EF4-FFF2-40B4-BE49-F238E27FC236}">
-                <a16:creationId xmlns:a16="http://schemas.microsoft.com/office/drawing/2014/main" id="{29BDC2D9-CE49-4700-A386-DDFE05517118}"/>
+                <a16:creationId xmlns:a16="http://schemas.microsoft.com/office/drawing/2014/main" id="{4FAA741E-92B1-4B39-8772-9918B57B6E2C}"/>
               </a:ext>
             </a:extLst>
           </p:cNvPr>
@@ -5394,58 +4266,22 @@
             <a:spLocks noGrp="1"/>
           </p:cNvSpPr>
           <p:nvPr>
-            <p:ph type="title"/>
-          </p:nvPr>
-        </p:nvSpPr>
-        <p:spPr>
-          <a:xfrm>
-            <a:off x="884902" y="159647"/>
-            <a:ext cx="8259098" cy="763526"/>
-          </a:xfrm>
-        </p:spPr>
-        <p:txBody>
-          <a:bodyPr>
-            <a:normAutofit/>
-          </a:bodyPr>
-          <a:lstStyle/>
-          <a:p>
-            <a:r>
-              <a:rPr lang="en-US" b="1" dirty="0"/>
-              <a:t>3.4.4 IPsec: Security Association Database</a:t>
-            </a:r>
+            <p:ph idx="1"/>
+          </p:nvPr>
+        </p:nvSpPr>
+        <p:spPr/>
+        <p:txBody>
+          <a:bodyPr/>
+          <a:lstStyle/>
+          <a:p>
             <a:endParaRPr lang="en-US" dirty="0"/>
-          </a:p>
-        </p:txBody>
-      </p:sp>
-      <p:sp>
-        <p:nvSpPr>
-          <p:cNvPr id="5" name="Content Placeholder 4">
-            <a:extLst>
-              <a:ext uri="{FF2B5EF4-FFF2-40B4-BE49-F238E27FC236}">
-                <a16:creationId xmlns:a16="http://schemas.microsoft.com/office/drawing/2014/main" id="{1791BFA0-FEEB-4E3F-83A9-82A02CBDD73F}"/>
-              </a:ext>
-            </a:extLst>
-          </p:cNvPr>
-          <p:cNvSpPr>
-            <a:spLocks noGrp="1"/>
-          </p:cNvSpPr>
-          <p:nvPr>
-            <p:ph idx="1"/>
-          </p:nvPr>
-        </p:nvSpPr>
-        <p:spPr/>
-        <p:txBody>
-          <a:bodyPr/>
-          <a:lstStyle/>
-          <a:p>
-            <a:endParaRPr lang="en-US"/>
           </a:p>
         </p:txBody>
       </p:sp>
     </p:spTree>
     <p:extLst>
       <p:ext uri="{BB962C8B-B14F-4D97-AF65-F5344CB8AC3E}">
-        <p14:creationId xmlns:p14="http://schemas.microsoft.com/office/powerpoint/2010/main" val="773182232"/>
+        <p14:creationId xmlns:p14="http://schemas.microsoft.com/office/powerpoint/2010/main" val="1750566084"/>
       </p:ext>
     </p:extLst>
   </p:cSld>
@@ -5455,7 +4291,7 @@
 </p:sld>
 </file>
 
-<file path=ppt/slides/slide21.xml><?xml version="1.0" encoding="utf-8"?>
+<file path=ppt/slides/slide4.xml><?xml version="1.0" encoding="utf-8"?>
 <p:sld xmlns:a="http://schemas.openxmlformats.org/drawingml/2006/main" xmlns:r="http://schemas.openxmlformats.org/officeDocument/2006/relationships" xmlns:p="http://schemas.openxmlformats.org/presentationml/2006/main">
   <p:cSld>
     <p:spTree>
@@ -5474,10 +4310,10 @@
       </p:grpSpPr>
       <p:sp>
         <p:nvSpPr>
-          <p:cNvPr id="2" name="Title 1">
+          <p:cNvPr id="3" name="Content Placeholder 2">
             <a:extLst>
               <a:ext uri="{FF2B5EF4-FFF2-40B4-BE49-F238E27FC236}">
-                <a16:creationId xmlns:a16="http://schemas.microsoft.com/office/drawing/2014/main" id="{698BD7DF-242A-4ABF-9718-24E708090F05}"/>
+                <a16:creationId xmlns:a16="http://schemas.microsoft.com/office/drawing/2014/main" id="{407F42E7-FB1E-4B74-A6CD-923B48D49BE1}"/>
               </a:ext>
             </a:extLst>
           </p:cNvPr>
@@ -5485,25 +4321,57 @@
             <a:spLocks noGrp="1"/>
           </p:cNvSpPr>
           <p:nvPr>
+            <p:ph idx="1"/>
+          </p:nvPr>
+        </p:nvSpPr>
+        <p:spPr>
+          <a:xfrm>
+            <a:off x="1128922" y="2179821"/>
+            <a:ext cx="6526162" cy="3508626"/>
+          </a:xfrm>
+        </p:spPr>
+        <p:txBody>
+          <a:bodyPr/>
+          <a:lstStyle/>
+          <a:p>
+            <a:endParaRPr lang="en-US" dirty="0"/>
+          </a:p>
+        </p:txBody>
+      </p:sp>
+      <p:sp>
+        <p:nvSpPr>
+          <p:cNvPr id="5" name="Title 4">
+            <a:extLst>
+              <a:ext uri="{FF2B5EF4-FFF2-40B4-BE49-F238E27FC236}">
+                <a16:creationId xmlns:a16="http://schemas.microsoft.com/office/drawing/2014/main" id="{326CB5E2-7296-4C8D-ACE4-FB91F65E068B}"/>
+              </a:ext>
+            </a:extLst>
+          </p:cNvPr>
+          <p:cNvSpPr>
+            <a:spLocks noGrp="1"/>
+          </p:cNvSpPr>
+          <p:nvPr>
             <p:ph type="title"/>
           </p:nvPr>
         </p:nvSpPr>
-        <p:spPr/>
-        <p:txBody>
-          <a:bodyPr/>
-          <a:lstStyle/>
-          <a:p>
-            <a:r>
-              <a:rPr lang="en-US" dirty="0"/>
-              <a:t>Security Association DB</a:t>
-            </a:r>
+        <p:spPr>
+          <a:xfrm>
+            <a:off x="1294033" y="1209366"/>
+            <a:ext cx="6555934" cy="725349"/>
+          </a:xfrm>
+        </p:spPr>
+        <p:txBody>
+          <a:bodyPr/>
+          <a:lstStyle/>
+          <a:p>
+            <a:endParaRPr lang="en-US" dirty="0"/>
           </a:p>
         </p:txBody>
       </p:sp>
     </p:spTree>
     <p:extLst>
       <p:ext uri="{BB962C8B-B14F-4D97-AF65-F5344CB8AC3E}">
-        <p14:creationId xmlns:p14="http://schemas.microsoft.com/office/powerpoint/2010/main" val="1932784545"/>
+        <p14:creationId xmlns:p14="http://schemas.microsoft.com/office/powerpoint/2010/main" val="1101633878"/>
       </p:ext>
     </p:extLst>
   </p:cSld>
@@ -5513,7 +4381,7 @@
 </p:sld>
 </file>
 
-<file path=ppt/slides/slide22.xml><?xml version="1.0" encoding="utf-8"?>
+<file path=ppt/slides/slide5.xml><?xml version="1.0" encoding="utf-8"?>
 <p:sld xmlns:a="http://schemas.openxmlformats.org/drawingml/2006/main" xmlns:r="http://schemas.openxmlformats.org/officeDocument/2006/relationships" xmlns:p="http://schemas.openxmlformats.org/presentationml/2006/main">
   <p:cSld>
     <p:spTree>
@@ -5532,10 +4400,10 @@
       </p:grpSpPr>
       <p:sp>
         <p:nvSpPr>
-          <p:cNvPr id="2" name="Title 1">
+          <p:cNvPr id="3" name="Content Placeholder 2">
             <a:extLst>
               <a:ext uri="{FF2B5EF4-FFF2-40B4-BE49-F238E27FC236}">
-                <a16:creationId xmlns:a16="http://schemas.microsoft.com/office/drawing/2014/main" id="{37AE10C2-4565-46E8-95F4-1263C344D5A9}"/>
+                <a16:creationId xmlns:a16="http://schemas.microsoft.com/office/drawing/2014/main" id="{A7557EB3-9555-4750-B1E6-F196F9C50E5D}"/>
               </a:ext>
             </a:extLst>
           </p:cNvPr>
@@ -5543,7 +4411,7 @@
             <a:spLocks noGrp="1"/>
           </p:cNvSpPr>
           <p:nvPr>
-            <p:ph type="title"/>
+            <p:ph sz="half" idx="2"/>
           </p:nvPr>
         </p:nvSpPr>
         <p:spPr/>
@@ -5551,17 +4419,14 @@
           <a:bodyPr/>
           <a:lstStyle/>
           <a:p>
-            <a:r>
-              <a:rPr lang="en-US" dirty="0"/>
-              <a:t>FINAL HAND SHAKE</a:t>
-            </a:r>
+            <a:endParaRPr lang="en-US"/>
           </a:p>
         </p:txBody>
       </p:sp>
     </p:spTree>
     <p:extLst>
       <p:ext uri="{BB962C8B-B14F-4D97-AF65-F5344CB8AC3E}">
-        <p14:creationId xmlns:p14="http://schemas.microsoft.com/office/powerpoint/2010/main" val="985685496"/>
+        <p14:creationId xmlns:p14="http://schemas.microsoft.com/office/powerpoint/2010/main" val="4170783713"/>
       </p:ext>
     </p:extLst>
   </p:cSld>
@@ -5571,7 +4436,7 @@
 </p:sld>
 </file>
 
-<file path=ppt/slides/slide23.xml><?xml version="1.0" encoding="utf-8"?>
+<file path=ppt/slides/slide6.xml><?xml version="1.0" encoding="utf-8"?>
 <p:sld xmlns:a="http://schemas.openxmlformats.org/drawingml/2006/main" xmlns:r="http://schemas.openxmlformats.org/officeDocument/2006/relationships" xmlns:p="http://schemas.openxmlformats.org/presentationml/2006/main">
   <p:cSld>
     <p:spTree>
@@ -5590,10 +4455,10 @@
       </p:grpSpPr>
       <p:sp>
         <p:nvSpPr>
-          <p:cNvPr id="2" name="Title 1">
+          <p:cNvPr id="3" name="Content Placeholder 2">
             <a:extLst>
               <a:ext uri="{FF2B5EF4-FFF2-40B4-BE49-F238E27FC236}">
-                <a16:creationId xmlns:a16="http://schemas.microsoft.com/office/drawing/2014/main" id="{85568CF7-8BA9-4BE4-8703-1A2EF28A4CFE}"/>
+                <a16:creationId xmlns:a16="http://schemas.microsoft.com/office/drawing/2014/main" id="{08E2B38F-C79E-4971-B7E4-1E7AA3EB0A64}"/>
               </a:ext>
             </a:extLst>
           </p:cNvPr>
@@ -5601,35 +4466,7 @@
             <a:spLocks noGrp="1"/>
           </p:cNvSpPr>
           <p:nvPr>
-            <p:ph type="title"/>
-          </p:nvPr>
-        </p:nvSpPr>
-        <p:spPr/>
-        <p:txBody>
-          <a:bodyPr/>
-          <a:lstStyle/>
-          <a:p>
-            <a:r>
-              <a:rPr lang="en-US" dirty="0"/>
-              <a:t>FortiClient Interface</a:t>
-            </a:r>
-          </a:p>
-        </p:txBody>
-      </p:sp>
-      <p:sp>
-        <p:nvSpPr>
-          <p:cNvPr id="6" name="Content Placeholder 5">
-            <a:extLst>
-              <a:ext uri="{FF2B5EF4-FFF2-40B4-BE49-F238E27FC236}">
-                <a16:creationId xmlns:a16="http://schemas.microsoft.com/office/drawing/2014/main" id="{2582C0E7-369E-4116-B9DB-6EF786606C47}"/>
-              </a:ext>
-            </a:extLst>
-          </p:cNvPr>
-          <p:cNvSpPr>
-            <a:spLocks noGrp="1"/>
-          </p:cNvSpPr>
-          <p:nvPr>
-            <p:ph idx="1"/>
+            <p:ph sz="half" idx="2"/>
           </p:nvPr>
         </p:nvSpPr>
         <p:spPr/>
@@ -5644,7 +4481,7 @@
     </p:spTree>
     <p:extLst>
       <p:ext uri="{BB962C8B-B14F-4D97-AF65-F5344CB8AC3E}">
-        <p14:creationId xmlns:p14="http://schemas.microsoft.com/office/powerpoint/2010/main" val="1924254271"/>
+        <p14:creationId xmlns:p14="http://schemas.microsoft.com/office/powerpoint/2010/main" val="84303002"/>
       </p:ext>
     </p:extLst>
   </p:cSld>
@@ -5654,7 +4491,7 @@
 </p:sld>
 </file>
 
-<file path=ppt/slides/slide24.xml><?xml version="1.0" encoding="utf-8"?>
+<file path=ppt/slides/slide7.xml><?xml version="1.0" encoding="utf-8"?>
 <p:sld xmlns:a="http://schemas.openxmlformats.org/drawingml/2006/main" xmlns:r="http://schemas.openxmlformats.org/officeDocument/2006/relationships" xmlns:p="http://schemas.openxmlformats.org/presentationml/2006/main">
   <p:cSld>
     <p:spTree>
@@ -5909,657 +4746,6 @@
     <p:extLst>
       <p:ext uri="{BB962C8B-B14F-4D97-AF65-F5344CB8AC3E}">
         <p14:creationId xmlns:p14="http://schemas.microsoft.com/office/powerpoint/2010/main" val="109100692"/>
-      </p:ext>
-    </p:extLst>
-  </p:cSld>
-  <p:clrMapOvr>
-    <a:masterClrMapping/>
-  </p:clrMapOvr>
-</p:sld>
-</file>
-
-<file path=ppt/slides/slide3.xml><?xml version="1.0" encoding="utf-8"?>
-<p:sld xmlns:a="http://schemas.openxmlformats.org/drawingml/2006/main" xmlns:r="http://schemas.openxmlformats.org/officeDocument/2006/relationships" xmlns:p="http://schemas.openxmlformats.org/presentationml/2006/main">
-  <p:cSld>
-    <p:spTree>
-      <p:nvGrpSpPr>
-        <p:cNvPr id="1" name=""/>
-        <p:cNvGrpSpPr/>
-        <p:nvPr/>
-      </p:nvGrpSpPr>
-      <p:grpSpPr>
-        <a:xfrm>
-          <a:off x="0" y="0"/>
-          <a:ext cx="0" cy="0"/>
-          <a:chOff x="0" y="0"/>
-          <a:chExt cx="0" cy="0"/>
-        </a:xfrm>
-      </p:grpSpPr>
-      <p:sp>
-        <p:nvSpPr>
-          <p:cNvPr id="2" name="Title 1"/>
-          <p:cNvSpPr>
-            <a:spLocks noGrp="1"/>
-          </p:cNvSpPr>
-          <p:nvPr>
-            <p:ph type="title"/>
-          </p:nvPr>
-        </p:nvSpPr>
-        <p:spPr/>
-        <p:txBody>
-          <a:bodyPr>
-            <a:normAutofit/>
-          </a:bodyPr>
-          <a:lstStyle/>
-          <a:p>
-            <a:r>
-              <a:rPr lang="en-US" dirty="0"/>
-              <a:t>Contents</a:t>
-            </a:r>
-          </a:p>
-        </p:txBody>
-      </p:sp>
-      <p:sp>
-        <p:nvSpPr>
-          <p:cNvPr id="5" name="Content Placeholder 4">
-            <a:extLst>
-              <a:ext uri="{FF2B5EF4-FFF2-40B4-BE49-F238E27FC236}">
-                <a16:creationId xmlns:a16="http://schemas.microsoft.com/office/drawing/2014/main" id="{4FAA741E-92B1-4B39-8772-9918B57B6E2C}"/>
-              </a:ext>
-            </a:extLst>
-          </p:cNvPr>
-          <p:cNvSpPr>
-            <a:spLocks noGrp="1"/>
-          </p:cNvSpPr>
-          <p:nvPr>
-            <p:ph idx="1"/>
-          </p:nvPr>
-        </p:nvSpPr>
-        <p:spPr/>
-        <p:txBody>
-          <a:bodyPr/>
-          <a:lstStyle/>
-          <a:p>
-            <a:endParaRPr lang="en-US"/>
-          </a:p>
-        </p:txBody>
-      </p:sp>
-    </p:spTree>
-    <p:extLst>
-      <p:ext uri="{BB962C8B-B14F-4D97-AF65-F5344CB8AC3E}">
-        <p14:creationId xmlns:p14="http://schemas.microsoft.com/office/powerpoint/2010/main" val="1750566084"/>
-      </p:ext>
-    </p:extLst>
-  </p:cSld>
-  <p:clrMapOvr>
-    <a:masterClrMapping/>
-  </p:clrMapOvr>
-</p:sld>
-</file>
-
-<file path=ppt/slides/slide4.xml><?xml version="1.0" encoding="utf-8"?>
-<p:sld xmlns:a="http://schemas.openxmlformats.org/drawingml/2006/main" xmlns:r="http://schemas.openxmlformats.org/officeDocument/2006/relationships" xmlns:p="http://schemas.openxmlformats.org/presentationml/2006/main">
-  <p:cSld>
-    <p:spTree>
-      <p:nvGrpSpPr>
-        <p:cNvPr id="1" name=""/>
-        <p:cNvGrpSpPr/>
-        <p:nvPr/>
-      </p:nvGrpSpPr>
-      <p:grpSpPr>
-        <a:xfrm>
-          <a:off x="0" y="0"/>
-          <a:ext cx="0" cy="0"/>
-          <a:chOff x="0" y="0"/>
-          <a:chExt cx="0" cy="0"/>
-        </a:xfrm>
-      </p:grpSpPr>
-      <p:sp>
-        <p:nvSpPr>
-          <p:cNvPr id="4" name="Title 3"/>
-          <p:cNvSpPr>
-            <a:spLocks noGrp="1"/>
-          </p:cNvSpPr>
-          <p:nvPr>
-            <p:ph type="title"/>
-          </p:nvPr>
-        </p:nvSpPr>
-        <p:spPr>
-          <a:xfrm>
-            <a:off x="5811490" y="273228"/>
-            <a:ext cx="3332510" cy="519931"/>
-          </a:xfrm>
-        </p:spPr>
-        <p:txBody>
-          <a:bodyPr>
-            <a:normAutofit fontScale="90000"/>
-          </a:bodyPr>
-          <a:lstStyle/>
-          <a:p>
-            <a:pPr algn="ctr"/>
-            <a:r>
-              <a:rPr lang="en-US" sz="6000" b="1" dirty="0">
-                <a:solidFill>
-                  <a:schemeClr val="bg1"/>
-                </a:solidFill>
-                <a:latin typeface="Times New Roman" panose="02020603050405020304" pitchFamily="18" charset="0"/>
-                <a:cs typeface="Times New Roman" panose="02020603050405020304" pitchFamily="18" charset="0"/>
-              </a:rPr>
-              <a:t>Abstract</a:t>
-            </a:r>
-            <a:endParaRPr lang="en-US" b="1" dirty="0">
-              <a:solidFill>
-                <a:schemeClr val="bg1"/>
-              </a:solidFill>
-              <a:latin typeface="Times New Roman" panose="02020603050405020304" pitchFamily="18" charset="0"/>
-              <a:cs typeface="Times New Roman" panose="02020603050405020304" pitchFamily="18" charset="0"/>
-            </a:endParaRPr>
-          </a:p>
-        </p:txBody>
-      </p:sp>
-      <p:sp>
-        <p:nvSpPr>
-          <p:cNvPr id="3" name="Content Placeholder 2">
-            <a:extLst>
-              <a:ext uri="{FF2B5EF4-FFF2-40B4-BE49-F238E27FC236}">
-                <a16:creationId xmlns:a16="http://schemas.microsoft.com/office/drawing/2014/main" id="{407F42E7-FB1E-4B74-A6CD-923B48D49BE1}"/>
-              </a:ext>
-            </a:extLst>
-          </p:cNvPr>
-          <p:cNvSpPr>
-            <a:spLocks noGrp="1"/>
-          </p:cNvSpPr>
-          <p:nvPr>
-            <p:ph idx="1"/>
-          </p:nvPr>
-        </p:nvSpPr>
-        <p:spPr/>
-        <p:txBody>
-          <a:bodyPr/>
-          <a:lstStyle/>
-          <a:p>
-            <a:endParaRPr lang="en-US"/>
-          </a:p>
-        </p:txBody>
-      </p:sp>
-    </p:spTree>
-    <p:extLst>
-      <p:ext uri="{BB962C8B-B14F-4D97-AF65-F5344CB8AC3E}">
-        <p14:creationId xmlns:p14="http://schemas.microsoft.com/office/powerpoint/2010/main" val="1101633878"/>
-      </p:ext>
-    </p:extLst>
-  </p:cSld>
-  <p:clrMapOvr>
-    <a:masterClrMapping/>
-  </p:clrMapOvr>
-</p:sld>
-</file>
-
-<file path=ppt/slides/slide5.xml><?xml version="1.0" encoding="utf-8"?>
-<p:sld xmlns:a="http://schemas.openxmlformats.org/drawingml/2006/main" xmlns:r="http://schemas.openxmlformats.org/officeDocument/2006/relationships" xmlns:p="http://schemas.openxmlformats.org/presentationml/2006/main">
-  <p:cSld>
-    <p:spTree>
-      <p:nvGrpSpPr>
-        <p:cNvPr id="1" name=""/>
-        <p:cNvGrpSpPr/>
-        <p:nvPr/>
-      </p:nvGrpSpPr>
-      <p:grpSpPr>
-        <a:xfrm>
-          <a:off x="0" y="0"/>
-          <a:ext cx="0" cy="0"/>
-          <a:chOff x="0" y="0"/>
-          <a:chExt cx="0" cy="0"/>
-        </a:xfrm>
-      </p:grpSpPr>
-      <p:sp>
-        <p:nvSpPr>
-          <p:cNvPr id="4" name="Title 3"/>
-          <p:cNvSpPr>
-            <a:spLocks noGrp="1"/>
-          </p:cNvSpPr>
-          <p:nvPr>
-            <p:ph type="title"/>
-          </p:nvPr>
-        </p:nvSpPr>
-        <p:spPr/>
-        <p:txBody>
-          <a:bodyPr>
-            <a:normAutofit/>
-          </a:bodyPr>
-          <a:lstStyle/>
-          <a:p>
-            <a:r>
-              <a:rPr lang="en-US" dirty="0"/>
-              <a:t>1. Introduction</a:t>
-            </a:r>
-          </a:p>
-        </p:txBody>
-      </p:sp>
-      <p:sp>
-        <p:nvSpPr>
-          <p:cNvPr id="3" name="Content Placeholder 2">
-            <a:extLst>
-              <a:ext uri="{FF2B5EF4-FFF2-40B4-BE49-F238E27FC236}">
-                <a16:creationId xmlns:a16="http://schemas.microsoft.com/office/drawing/2014/main" id="{A7557EB3-9555-4750-B1E6-F196F9C50E5D}"/>
-              </a:ext>
-            </a:extLst>
-          </p:cNvPr>
-          <p:cNvSpPr>
-            <a:spLocks noGrp="1"/>
-          </p:cNvSpPr>
-          <p:nvPr>
-            <p:ph sz="half" idx="2"/>
-          </p:nvPr>
-        </p:nvSpPr>
-        <p:spPr/>
-        <p:txBody>
-          <a:bodyPr/>
-          <a:lstStyle/>
-          <a:p>
-            <a:endParaRPr lang="en-US"/>
-          </a:p>
-        </p:txBody>
-      </p:sp>
-    </p:spTree>
-    <p:extLst>
-      <p:ext uri="{BB962C8B-B14F-4D97-AF65-F5344CB8AC3E}">
-        <p14:creationId xmlns:p14="http://schemas.microsoft.com/office/powerpoint/2010/main" val="4170783713"/>
-      </p:ext>
-    </p:extLst>
-  </p:cSld>
-  <p:clrMapOvr>
-    <a:masterClrMapping/>
-  </p:clrMapOvr>
-</p:sld>
-</file>
-
-<file path=ppt/slides/slide6.xml><?xml version="1.0" encoding="utf-8"?>
-<p:sld xmlns:a="http://schemas.openxmlformats.org/drawingml/2006/main" xmlns:r="http://schemas.openxmlformats.org/officeDocument/2006/relationships" xmlns:p="http://schemas.openxmlformats.org/presentationml/2006/main">
-  <p:cSld>
-    <p:spTree>
-      <p:nvGrpSpPr>
-        <p:cNvPr id="1" name=""/>
-        <p:cNvGrpSpPr/>
-        <p:nvPr/>
-      </p:nvGrpSpPr>
-      <p:grpSpPr>
-        <a:xfrm>
-          <a:off x="0" y="0"/>
-          <a:ext cx="0" cy="0"/>
-          <a:chOff x="0" y="0"/>
-          <a:chExt cx="0" cy="0"/>
-        </a:xfrm>
-      </p:grpSpPr>
-      <p:sp>
-        <p:nvSpPr>
-          <p:cNvPr id="4" name="Title 3"/>
-          <p:cNvSpPr>
-            <a:spLocks noGrp="1"/>
-          </p:cNvSpPr>
-          <p:nvPr>
-            <p:ph type="title"/>
-          </p:nvPr>
-        </p:nvSpPr>
-        <p:spPr>
-          <a:xfrm>
-            <a:off x="532693" y="138907"/>
-            <a:ext cx="8093365" cy="763525"/>
-          </a:xfrm>
-        </p:spPr>
-        <p:txBody>
-          <a:bodyPr>
-            <a:normAutofit/>
-          </a:bodyPr>
-          <a:lstStyle/>
-          <a:p>
-            <a:r>
-              <a:rPr lang="en-US" dirty="0"/>
-              <a:t>Intro Continued</a:t>
-            </a:r>
-          </a:p>
-        </p:txBody>
-      </p:sp>
-      <p:sp>
-        <p:nvSpPr>
-          <p:cNvPr id="3" name="Content Placeholder 2">
-            <a:extLst>
-              <a:ext uri="{FF2B5EF4-FFF2-40B4-BE49-F238E27FC236}">
-                <a16:creationId xmlns:a16="http://schemas.microsoft.com/office/drawing/2014/main" id="{08E2B38F-C79E-4971-B7E4-1E7AA3EB0A64}"/>
-              </a:ext>
-            </a:extLst>
-          </p:cNvPr>
-          <p:cNvSpPr>
-            <a:spLocks noGrp="1"/>
-          </p:cNvSpPr>
-          <p:nvPr>
-            <p:ph sz="half" idx="2"/>
-          </p:nvPr>
-        </p:nvSpPr>
-        <p:spPr/>
-        <p:txBody>
-          <a:bodyPr/>
-          <a:lstStyle/>
-          <a:p>
-            <a:endParaRPr lang="en-US"/>
-          </a:p>
-        </p:txBody>
-      </p:sp>
-    </p:spTree>
-    <p:extLst>
-      <p:ext uri="{BB962C8B-B14F-4D97-AF65-F5344CB8AC3E}">
-        <p14:creationId xmlns:p14="http://schemas.microsoft.com/office/powerpoint/2010/main" val="84303002"/>
-      </p:ext>
-    </p:extLst>
-  </p:cSld>
-  <p:clrMapOvr>
-    <a:masterClrMapping/>
-  </p:clrMapOvr>
-</p:sld>
-</file>
-
-<file path=ppt/slides/slide7.xml><?xml version="1.0" encoding="utf-8"?>
-<p:sld xmlns:a="http://schemas.openxmlformats.org/drawingml/2006/main" xmlns:r="http://schemas.openxmlformats.org/officeDocument/2006/relationships" xmlns:p="http://schemas.openxmlformats.org/presentationml/2006/main">
-  <p:cSld>
-    <p:spTree>
-      <p:nvGrpSpPr>
-        <p:cNvPr id="1" name=""/>
-        <p:cNvGrpSpPr/>
-        <p:nvPr/>
-      </p:nvGrpSpPr>
-      <p:grpSpPr>
-        <a:xfrm>
-          <a:off x="0" y="0"/>
-          <a:ext cx="0" cy="0"/>
-          <a:chOff x="0" y="0"/>
-          <a:chExt cx="0" cy="0"/>
-        </a:xfrm>
-      </p:grpSpPr>
-      <p:sp>
-        <p:nvSpPr>
-          <p:cNvPr id="4" name="Title 3"/>
-          <p:cNvSpPr>
-            <a:spLocks noGrp="1"/>
-          </p:cNvSpPr>
-          <p:nvPr>
-            <p:ph type="title"/>
-          </p:nvPr>
-        </p:nvSpPr>
-        <p:spPr>
-          <a:xfrm>
-            <a:off x="4384964" y="322118"/>
-            <a:ext cx="4659745" cy="613064"/>
-          </a:xfrm>
-        </p:spPr>
-        <p:txBody>
-          <a:bodyPr>
-            <a:normAutofit fontScale="90000"/>
-          </a:bodyPr>
-          <a:lstStyle/>
-          <a:p>
-            <a:r>
-              <a:rPr lang="en-US" dirty="0">
-                <a:latin typeface="Times New Roman" panose="02020603050405020304" pitchFamily="18" charset="0"/>
-                <a:cs typeface="Times New Roman" panose="02020603050405020304" pitchFamily="18" charset="0"/>
-              </a:rPr>
-              <a:t>1.2.	Research Objective</a:t>
-            </a:r>
-            <a:br>
-              <a:rPr lang="en-US" dirty="0">
-                <a:latin typeface="Times New Roman" panose="02020603050405020304" pitchFamily="18" charset="0"/>
-                <a:cs typeface="Times New Roman" panose="02020603050405020304" pitchFamily="18" charset="0"/>
-              </a:rPr>
-            </a:br>
-            <a:endParaRPr lang="en-US" dirty="0"/>
-          </a:p>
-        </p:txBody>
-      </p:sp>
-      <p:sp>
-        <p:nvSpPr>
-          <p:cNvPr id="3" name="Content Placeholder 2">
-            <a:extLst>
-              <a:ext uri="{FF2B5EF4-FFF2-40B4-BE49-F238E27FC236}">
-                <a16:creationId xmlns:a16="http://schemas.microsoft.com/office/drawing/2014/main" id="{CB38C219-1143-4A71-8A6D-921C14EE85AD}"/>
-              </a:ext>
-            </a:extLst>
-          </p:cNvPr>
-          <p:cNvSpPr>
-            <a:spLocks noGrp="1"/>
-          </p:cNvSpPr>
-          <p:nvPr>
-            <p:ph sz="half" idx="2"/>
-          </p:nvPr>
-        </p:nvSpPr>
-        <p:spPr/>
-        <p:txBody>
-          <a:bodyPr/>
-          <a:lstStyle/>
-          <a:p>
-            <a:endParaRPr lang="en-US"/>
-          </a:p>
-        </p:txBody>
-      </p:sp>
-    </p:spTree>
-    <p:extLst>
-      <p:ext uri="{BB962C8B-B14F-4D97-AF65-F5344CB8AC3E}">
-        <p14:creationId xmlns:p14="http://schemas.microsoft.com/office/powerpoint/2010/main" val="993157936"/>
-      </p:ext>
-    </p:extLst>
-  </p:cSld>
-  <p:clrMapOvr>
-    <a:masterClrMapping/>
-  </p:clrMapOvr>
-</p:sld>
-</file>
-
-<file path=ppt/slides/slide8.xml><?xml version="1.0" encoding="utf-8"?>
-<p:sld xmlns:a="http://schemas.openxmlformats.org/drawingml/2006/main" xmlns:r="http://schemas.openxmlformats.org/officeDocument/2006/relationships" xmlns:p="http://schemas.openxmlformats.org/presentationml/2006/main">
-  <p:cSld>
-    <p:spTree>
-      <p:nvGrpSpPr>
-        <p:cNvPr id="1" name=""/>
-        <p:cNvGrpSpPr/>
-        <p:nvPr/>
-      </p:nvGrpSpPr>
-      <p:grpSpPr>
-        <a:xfrm>
-          <a:off x="0" y="0"/>
-          <a:ext cx="0" cy="0"/>
-          <a:chOff x="0" y="0"/>
-          <a:chExt cx="0" cy="0"/>
-        </a:xfrm>
-      </p:grpSpPr>
-      <p:sp>
-        <p:nvSpPr>
-          <p:cNvPr id="4" name="Title 3"/>
-          <p:cNvSpPr>
-            <a:spLocks noGrp="1"/>
-          </p:cNvSpPr>
-          <p:nvPr>
-            <p:ph type="title"/>
-          </p:nvPr>
-        </p:nvSpPr>
-        <p:spPr/>
-        <p:txBody>
-          <a:bodyPr>
-            <a:normAutofit/>
-          </a:bodyPr>
-          <a:lstStyle/>
-          <a:p>
-            <a:r>
-              <a:rPr lang="en-US" b="1" dirty="0"/>
-              <a:t>Network Design</a:t>
-            </a:r>
-            <a:r>
-              <a:rPr lang="en-US" dirty="0"/>
-              <a:t> </a:t>
-            </a:r>
-          </a:p>
-        </p:txBody>
-      </p:sp>
-      <p:sp>
-        <p:nvSpPr>
-          <p:cNvPr id="6" name="Content Placeholder 5"/>
-          <p:cNvSpPr>
-            <a:spLocks noGrp="1"/>
-          </p:cNvSpPr>
-          <p:nvPr>
-            <p:ph sz="half" idx="2"/>
-          </p:nvPr>
-        </p:nvSpPr>
-        <p:spPr>
-          <a:xfrm>
-            <a:off x="103910" y="902432"/>
-            <a:ext cx="9040090" cy="4102161"/>
-          </a:xfrm>
-        </p:spPr>
-        <p:txBody>
-          <a:bodyPr>
-            <a:normAutofit/>
-          </a:bodyPr>
-          <a:lstStyle/>
-          <a:p>
-            <a:pPr marL="0" indent="0">
-              <a:buNone/>
-            </a:pPr>
-            <a:endParaRPr lang="en-US" dirty="0"/>
-          </a:p>
-        </p:txBody>
-      </p:sp>
-    </p:spTree>
-    <p:extLst>
-      <p:ext uri="{BB962C8B-B14F-4D97-AF65-F5344CB8AC3E}">
-        <p14:creationId xmlns:p14="http://schemas.microsoft.com/office/powerpoint/2010/main" val="2433244238"/>
-      </p:ext>
-    </p:extLst>
-  </p:cSld>
-  <p:clrMapOvr>
-    <a:masterClrMapping/>
-  </p:clrMapOvr>
-</p:sld>
-</file>
-
-<file path=ppt/slides/slide9.xml><?xml version="1.0" encoding="utf-8"?>
-<p:sld xmlns:a="http://schemas.openxmlformats.org/drawingml/2006/main" xmlns:r="http://schemas.openxmlformats.org/officeDocument/2006/relationships" xmlns:p="http://schemas.openxmlformats.org/presentationml/2006/main">
-  <p:cSld>
-    <p:spTree>
-      <p:nvGrpSpPr>
-        <p:cNvPr id="1" name=""/>
-        <p:cNvGrpSpPr/>
-        <p:nvPr/>
-      </p:nvGrpSpPr>
-      <p:grpSpPr>
-        <a:xfrm>
-          <a:off x="0" y="0"/>
-          <a:ext cx="0" cy="0"/>
-          <a:chOff x="0" y="0"/>
-          <a:chExt cx="0" cy="0"/>
-        </a:xfrm>
-      </p:grpSpPr>
-      <p:sp>
-        <p:nvSpPr>
-          <p:cNvPr id="4" name="Title 3"/>
-          <p:cNvSpPr>
-            <a:spLocks noGrp="1"/>
-          </p:cNvSpPr>
-          <p:nvPr>
-            <p:ph type="title"/>
-          </p:nvPr>
-        </p:nvSpPr>
-        <p:spPr>
-          <a:xfrm>
-            <a:off x="1050635" y="224509"/>
-            <a:ext cx="8093365" cy="763525"/>
-          </a:xfrm>
-        </p:spPr>
-        <p:txBody>
-          <a:bodyPr>
-            <a:normAutofit fontScale="90000"/>
-          </a:bodyPr>
-          <a:lstStyle/>
-          <a:p>
-            <a:r>
-              <a:rPr lang="en-US" b="1" dirty="0">
-                <a:effectLst/>
-              </a:rPr>
-              <a:t>Chapter Two</a:t>
-            </a:r>
-            <a:br>
-              <a:rPr lang="en-US" b="1" dirty="0">
-                <a:effectLst/>
-              </a:rPr>
-            </a:br>
-            <a:r>
-              <a:rPr lang="en-US" b="1" dirty="0">
-                <a:effectLst/>
-              </a:rPr>
-              <a:t>2. Literature Review</a:t>
-            </a:r>
-            <a:br>
-              <a:rPr lang="en-US" dirty="0">
-                <a:effectLst/>
-              </a:rPr>
-            </a:br>
-            <a:endParaRPr lang="en-US" dirty="0">
-              <a:effectLst/>
-            </a:endParaRPr>
-          </a:p>
-        </p:txBody>
-      </p:sp>
-      <p:sp>
-        <p:nvSpPr>
-          <p:cNvPr id="3" name="Content Placeholder 2">
-            <a:extLst>
-              <a:ext uri="{FF2B5EF4-FFF2-40B4-BE49-F238E27FC236}">
-                <a16:creationId xmlns:a16="http://schemas.microsoft.com/office/drawing/2014/main" id="{546C2D2C-C00E-4C64-A746-1166FAAE2494}"/>
-              </a:ext>
-            </a:extLst>
-          </p:cNvPr>
-          <p:cNvSpPr>
-            <a:spLocks noGrp="1"/>
-          </p:cNvSpPr>
-          <p:nvPr>
-            <p:ph sz="half" idx="2"/>
-          </p:nvPr>
-        </p:nvSpPr>
-        <p:spPr/>
-        <p:txBody>
-          <a:bodyPr/>
-          <a:lstStyle/>
-          <a:p>
-            <a:endParaRPr lang="en-US"/>
-          </a:p>
-        </p:txBody>
-      </p:sp>
-      <p:sp>
-        <p:nvSpPr>
-          <p:cNvPr id="8" name="Text Placeholder 7">
-            <a:extLst>
-              <a:ext uri="{FF2B5EF4-FFF2-40B4-BE49-F238E27FC236}">
-                <a16:creationId xmlns:a16="http://schemas.microsoft.com/office/drawing/2014/main" id="{D1B4AE6F-4C76-49FA-81ED-E9705D36DC6C}"/>
-              </a:ext>
-            </a:extLst>
-          </p:cNvPr>
-          <p:cNvSpPr>
-            <a:spLocks noGrp="1"/>
-          </p:cNvSpPr>
-          <p:nvPr>
-            <p:ph type="body" idx="1"/>
-          </p:nvPr>
-        </p:nvSpPr>
-        <p:spPr/>
-        <p:txBody>
-          <a:bodyPr/>
-          <a:lstStyle/>
-          <a:p>
-            <a:endParaRPr lang="en-US"/>
-          </a:p>
-        </p:txBody>
-      </p:sp>
-    </p:spTree>
-    <p:extLst>
-      <p:ext uri="{BB962C8B-B14F-4D97-AF65-F5344CB8AC3E}">
-        <p14:creationId xmlns:p14="http://schemas.microsoft.com/office/powerpoint/2010/main" val="4248390180"/>
       </p:ext>
     </p:extLst>
   </p:cSld>
